--- a/Bank Marketing.pptx
+++ b/Bank Marketing.pptx
@@ -122,7 +122,49 @@
       </a:defRPr>
     </a:lvl9pPr>
   </p:defaultTextStyle>
+  <p:extLst>
+    <p:ext uri="{EFAFB233-063F-42B5-8137-9DF3F51BA10A}">
+      <p15:sldGuideLst xmlns:p15="http://schemas.microsoft.com/office/powerpoint/2012/main"/>
+    </p:ext>
+  </p:extLst>
 </p:presentation>
+</file>
+
+<file path=ppt/revisionInfo.xml><?xml version="1.0" encoding="utf-8"?>
+<p1510:revInfo xmlns:a="http://schemas.openxmlformats.org/drawingml/2006/main" xmlns:r="http://schemas.openxmlformats.org/officeDocument/2006/relationships" xmlns:p1510="http://schemas.microsoft.com/office/powerpoint/2015/10/main">
+  <p1510:revLst>
+    <p1510:client id="{BDBD428D-3A27-4205-BD04-3B21880F8C8D}" v="1" dt="2021-11-09T04:19:56.365"/>
+  </p1510:revLst>
+</p1510:revInfo>
+</file>
+
+<file path=ppt/changesInfos/changesInfo1.xml><?xml version="1.0" encoding="utf-8"?>
+<pc:chgInfo xmlns:a="http://schemas.openxmlformats.org/drawingml/2006/main" xmlns:r="http://schemas.openxmlformats.org/officeDocument/2006/relationships" xmlns:ac="http://schemas.microsoft.com/office/drawing/2013/main/command" xmlns:pc="http://schemas.microsoft.com/office/powerpoint/2013/main/command">
+  <pc:docChgLst>
+    <pc:chgData name="Vanzara, Azmina" userId="7142ef05-28d5-48cc-ab47-3e8ff0273345" providerId="ADAL" clId="{BDBD428D-3A27-4205-BD04-3B21880F8C8D}"/>
+    <pc:docChg chg="modSld">
+      <pc:chgData name="Vanzara, Azmina" userId="7142ef05-28d5-48cc-ab47-3e8ff0273345" providerId="ADAL" clId="{BDBD428D-3A27-4205-BD04-3B21880F8C8D}" dt="2021-11-09T04:20:10.183" v="4" actId="113"/>
+      <pc:docMkLst>
+        <pc:docMk/>
+      </pc:docMkLst>
+      <pc:sldChg chg="modSp mod">
+        <pc:chgData name="Vanzara, Azmina" userId="7142ef05-28d5-48cc-ab47-3e8ff0273345" providerId="ADAL" clId="{BDBD428D-3A27-4205-BD04-3B21880F8C8D}" dt="2021-11-09T04:20:10.183" v="4" actId="113"/>
+        <pc:sldMkLst>
+          <pc:docMk/>
+          <pc:sldMk cId="925254967" sldId="258"/>
+        </pc:sldMkLst>
+        <pc:spChg chg="mod">
+          <ac:chgData name="Vanzara, Azmina" userId="7142ef05-28d5-48cc-ab47-3e8ff0273345" providerId="ADAL" clId="{BDBD428D-3A27-4205-BD04-3B21880F8C8D}" dt="2021-11-09T04:20:10.183" v="4" actId="113"/>
+          <ac:spMkLst>
+            <pc:docMk/>
+            <pc:sldMk cId="925254967" sldId="258"/>
+            <ac:spMk id="3" creationId="{2E8C144B-9EA2-4C1C-92C4-4E4B152ABCEE}"/>
+          </ac:spMkLst>
+        </pc:spChg>
+      </pc:sldChg>
+    </pc:docChg>
+  </pc:docChgLst>
+</pc:chgInfo>
 </file>
 
 <file path=ppt/diagrams/colors1.xml><?xml version="1.0" encoding="utf-8"?>
@@ -29453,8 +29495,8 @@
               <a:buChar char="•"/>
             </a:pPr>
             <a:r>
-              <a:rPr lang="en-US"/>
-              <a:t>Source Data:</a:t>
+              <a:rPr lang="en-US" b="1" dirty="0"/>
+              <a:t>Source Data</a:t>
             </a:r>
           </a:p>
           <a:p>
@@ -29468,7 +29510,7 @@
               <a:buFont typeface="Arial" panose="020B0604020202020204" pitchFamily="34" charset="0"/>
               <a:buChar char="•"/>
             </a:pPr>
-            <a:endParaRPr lang="en-US"/>
+            <a:endParaRPr lang="en-US" dirty="0"/>
           </a:p>
           <a:p>
             <a:pPr indent="-228600">
@@ -29482,11 +29524,11 @@
               <a:buChar char="•"/>
             </a:pPr>
             <a:r>
-              <a:rPr lang="en-US"/>
+              <a:rPr lang="en-US" dirty="0"/>
               <a:t>From: </a:t>
             </a:r>
             <a:r>
-              <a:rPr lang="en-US">
+              <a:rPr lang="en-US" dirty="0">
                 <a:effectLst/>
               </a:rPr>
               <a:t>UC Irvine’s Machine Learning Repository</a:t>
@@ -29503,7 +29545,7 @@
               <a:buFont typeface="Arial" panose="020B0604020202020204" pitchFamily="34" charset="0"/>
               <a:buChar char="•"/>
             </a:pPr>
-            <a:endParaRPr lang="en-US"/>
+            <a:endParaRPr lang="en-US" dirty="0"/>
           </a:p>
           <a:p>
             <a:pPr indent="-228600">
@@ -29517,12 +29559,12 @@
               <a:buChar char="•"/>
             </a:pPr>
             <a:r>
-              <a:rPr lang="en-US">
+              <a:rPr lang="en-US" dirty="0">
                 <a:effectLst/>
               </a:rPr>
               <a:t>Topic: Bank Marketing</a:t>
             </a:r>
-            <a:endParaRPr lang="en-US"/>
+            <a:endParaRPr lang="en-US" dirty="0"/>
           </a:p>
           <a:p>
             <a:pPr indent="-228600">
@@ -29535,7 +29577,7 @@
               <a:buFont typeface="Arial" panose="020B0604020202020204" pitchFamily="34" charset="0"/>
               <a:buChar char="•"/>
             </a:pPr>
-            <a:endParaRPr lang="en-US"/>
+            <a:endParaRPr lang="en-US" dirty="0"/>
           </a:p>
           <a:p>
             <a:pPr indent="-228600">
@@ -29549,14 +29591,14 @@
               <a:buChar char="•"/>
             </a:pPr>
             <a:r>
-              <a:rPr lang="en-US" u="sng">
+              <a:rPr lang="en-US" u="sng" dirty="0">
                 <a:effectLst/>
                 <a:hlinkClick r:id="rId2"/>
               </a:rPr>
               <a:t>https://archive.ics.uci.edu/ml/datasets/Bank+Marketing#</a:t>
             </a:r>
             <a:r>
-              <a:rPr lang="en-US">
+              <a:rPr lang="en-US" dirty="0">
                 <a:effectLst/>
               </a:rPr>
               <a:t> </a:t>
@@ -29573,7 +29615,7 @@
               <a:buFont typeface="Arial" panose="020B0604020202020204" pitchFamily="34" charset="0"/>
               <a:buChar char="•"/>
             </a:pPr>
-            <a:endParaRPr lang="en-US"/>
+            <a:endParaRPr lang="en-US" dirty="0"/>
           </a:p>
           <a:p>
             <a:pPr indent="-228600">
@@ -29586,7 +29628,7 @@
               <a:buFont typeface="Arial" panose="020B0604020202020204" pitchFamily="34" charset="0"/>
               <a:buChar char="•"/>
             </a:pPr>
-            <a:endParaRPr lang="en-US">
+            <a:endParaRPr lang="en-US" dirty="0">
               <a:effectLst/>
             </a:endParaRPr>
           </a:p>
@@ -29601,7 +29643,7 @@
               <a:buFont typeface="Arial" panose="020B0604020202020204" pitchFamily="34" charset="0"/>
               <a:buChar char="•"/>
             </a:pPr>
-            <a:endParaRPr lang="en-US"/>
+            <a:endParaRPr lang="en-US" dirty="0"/>
           </a:p>
           <a:p>
             <a:pPr indent="-228600">
@@ -29615,10 +29657,10 @@
               <a:buChar char="•"/>
             </a:pPr>
             <a:r>
-              <a:rPr lang="en-US">
+              <a:rPr lang="en-US" b="1" dirty="0">
                 <a:effectLst/>
               </a:rPr>
-              <a:t>Source Code:</a:t>
+              <a:t>Source Code</a:t>
             </a:r>
           </a:p>
           <a:p>
@@ -29632,7 +29674,7 @@
               <a:buFont typeface="Arial" panose="020B0604020202020204" pitchFamily="34" charset="0"/>
               <a:buChar char="•"/>
             </a:pPr>
-            <a:endParaRPr lang="en-US"/>
+            <a:endParaRPr lang="en-US" dirty="0"/>
           </a:p>
           <a:p>
             <a:pPr indent="-228600">
@@ -29646,11 +29688,21 @@
               <a:buChar char="•"/>
             </a:pPr>
             <a:r>
-              <a:rPr lang="en-US">
+              <a:rPr lang="en-US" dirty="0">
                 <a:effectLst/>
               </a:rPr>
               <a:t>GitHub Repo :</a:t>
             </a:r>
+            <a:r>
+              <a:rPr lang="en-US" dirty="0">
+                <a:effectLst/>
+                <a:hlinkClick r:id="rId3"/>
+              </a:rPr>
+              <a:t>https://github.com/azmeena1311/Bank-Marketing</a:t>
+            </a:r>
+            <a:endParaRPr lang="en-US" dirty="0">
+              <a:effectLst/>
+            </a:endParaRPr>
           </a:p>
           <a:p>
             <a:pPr indent="-228600">
@@ -29663,7 +29715,7 @@
               <a:buFont typeface="Arial" panose="020B0604020202020204" pitchFamily="34" charset="0"/>
               <a:buChar char="•"/>
             </a:pPr>
-            <a:endParaRPr lang="en-US"/>
+            <a:endParaRPr lang="en-US" dirty="0"/>
           </a:p>
         </p:txBody>
       </p:sp>

--- a/Bank Marketing.pptx
+++ b/Bank Marketing.pptx
@@ -161,6 +161,38 @@
             <ac:spMk id="3" creationId="{2E8C144B-9EA2-4C1C-92C4-4E4B152ABCEE}"/>
           </ac:spMkLst>
         </pc:spChg>
+      </pc:sldChg>
+    </pc:docChg>
+  </pc:docChgLst>
+  <pc:docChgLst>
+    <pc:chgData name="Vanzara, Azmina" userId="7142ef05-28d5-48cc-ab47-3e8ff0273345" providerId="ADAL" clId="{56176C75-6ECB-4A08-8328-F1123A82203C}"/>
+    <pc:docChg chg="custSel modSld">
+      <pc:chgData name="Vanzara, Azmina" userId="7142ef05-28d5-48cc-ab47-3e8ff0273345" providerId="ADAL" clId="{56176C75-6ECB-4A08-8328-F1123A82203C}" dt="2021-11-09T14:48:18.743" v="5" actId="208"/>
+      <pc:docMkLst>
+        <pc:docMk/>
+      </pc:docMkLst>
+      <pc:sldChg chg="addSp delSp modSp mod">
+        <pc:chgData name="Vanzara, Azmina" userId="7142ef05-28d5-48cc-ab47-3e8ff0273345" providerId="ADAL" clId="{56176C75-6ECB-4A08-8328-F1123A82203C}" dt="2021-11-09T14:48:18.743" v="5" actId="208"/>
+        <pc:sldMkLst>
+          <pc:docMk/>
+          <pc:sldMk cId="342087525" sldId="274"/>
+        </pc:sldMkLst>
+        <pc:picChg chg="del">
+          <ac:chgData name="Vanzara, Azmina" userId="7142ef05-28d5-48cc-ab47-3e8ff0273345" providerId="ADAL" clId="{56176C75-6ECB-4A08-8328-F1123A82203C}" dt="2021-11-09T14:48:02.671" v="0" actId="478"/>
+          <ac:picMkLst>
+            <pc:docMk/>
+            <pc:sldMk cId="342087525" sldId="274"/>
+            <ac:picMk id="4" creationId="{66A93FBA-AFE1-499C-B265-7D52B052E6E5}"/>
+          </ac:picMkLst>
+        </pc:picChg>
+        <pc:picChg chg="add mod">
+          <ac:chgData name="Vanzara, Azmina" userId="7142ef05-28d5-48cc-ab47-3e8ff0273345" providerId="ADAL" clId="{56176C75-6ECB-4A08-8328-F1123A82203C}" dt="2021-11-09T14:48:18.743" v="5" actId="208"/>
+          <ac:picMkLst>
+            <pc:docMk/>
+            <pc:sldMk cId="342087525" sldId="274"/>
+            <ac:picMk id="6" creationId="{970622E6-6E34-4AAB-966F-C1EFE8EDB7A8}"/>
+          </ac:picMkLst>
+        </pc:picChg>
       </pc:sldChg>
     </pc:docChg>
   </pc:docChgLst>
@@ -20596,7 +20628,7 @@
           <a:p>
             <a:fld id="{D5A4A615-3678-4819-B7A7-CEE53D4925A7}" type="datetimeFigureOut">
               <a:rPr lang="en-US" smtClean="0"/>
-              <a:t>11/8/2021</a:t>
+              <a:t>11/9/2021</a:t>
             </a:fld>
             <a:endParaRPr lang="en-US"/>
           </a:p>
@@ -20794,7 +20826,7 @@
           <a:p>
             <a:fld id="{D5A4A615-3678-4819-B7A7-CEE53D4925A7}" type="datetimeFigureOut">
               <a:rPr lang="en-US" smtClean="0"/>
-              <a:t>11/8/2021</a:t>
+              <a:t>11/9/2021</a:t>
             </a:fld>
             <a:endParaRPr lang="en-US"/>
           </a:p>
@@ -21002,7 +21034,7 @@
           <a:p>
             <a:fld id="{D5A4A615-3678-4819-B7A7-CEE53D4925A7}" type="datetimeFigureOut">
               <a:rPr lang="en-US" smtClean="0"/>
-              <a:t>11/8/2021</a:t>
+              <a:t>11/9/2021</a:t>
             </a:fld>
             <a:endParaRPr lang="en-US"/>
           </a:p>
@@ -21200,7 +21232,7 @@
           <a:p>
             <a:fld id="{D5A4A615-3678-4819-B7A7-CEE53D4925A7}" type="datetimeFigureOut">
               <a:rPr lang="en-US" smtClean="0"/>
-              <a:t>11/8/2021</a:t>
+              <a:t>11/9/2021</a:t>
             </a:fld>
             <a:endParaRPr lang="en-US"/>
           </a:p>
@@ -21475,7 +21507,7 @@
           <a:p>
             <a:fld id="{D5A4A615-3678-4819-B7A7-CEE53D4925A7}" type="datetimeFigureOut">
               <a:rPr lang="en-US" smtClean="0"/>
-              <a:t>11/8/2021</a:t>
+              <a:t>11/9/2021</a:t>
             </a:fld>
             <a:endParaRPr lang="en-US"/>
           </a:p>
@@ -21740,7 +21772,7 @@
           <a:p>
             <a:fld id="{D5A4A615-3678-4819-B7A7-CEE53D4925A7}" type="datetimeFigureOut">
               <a:rPr lang="en-US" smtClean="0"/>
-              <a:t>11/8/2021</a:t>
+              <a:t>11/9/2021</a:t>
             </a:fld>
             <a:endParaRPr lang="en-US"/>
           </a:p>
@@ -22152,7 +22184,7 @@
           <a:p>
             <a:fld id="{D5A4A615-3678-4819-B7A7-CEE53D4925A7}" type="datetimeFigureOut">
               <a:rPr lang="en-US" smtClean="0"/>
-              <a:t>11/8/2021</a:t>
+              <a:t>11/9/2021</a:t>
             </a:fld>
             <a:endParaRPr lang="en-US"/>
           </a:p>
@@ -22293,7 +22325,7 @@
           <a:p>
             <a:fld id="{D5A4A615-3678-4819-B7A7-CEE53D4925A7}" type="datetimeFigureOut">
               <a:rPr lang="en-US" smtClean="0"/>
-              <a:t>11/8/2021</a:t>
+              <a:t>11/9/2021</a:t>
             </a:fld>
             <a:endParaRPr lang="en-US"/>
           </a:p>
@@ -22406,7 +22438,7 @@
           <a:p>
             <a:fld id="{D5A4A615-3678-4819-B7A7-CEE53D4925A7}" type="datetimeFigureOut">
               <a:rPr lang="en-US" smtClean="0"/>
-              <a:t>11/8/2021</a:t>
+              <a:t>11/9/2021</a:t>
             </a:fld>
             <a:endParaRPr lang="en-US"/>
           </a:p>
@@ -22717,7 +22749,7 @@
           <a:p>
             <a:fld id="{D5A4A615-3678-4819-B7A7-CEE53D4925A7}" type="datetimeFigureOut">
               <a:rPr lang="en-US" smtClean="0"/>
-              <a:t>11/8/2021</a:t>
+              <a:t>11/9/2021</a:t>
             </a:fld>
             <a:endParaRPr lang="en-US"/>
           </a:p>
@@ -23005,7 +23037,7 @@
           <a:p>
             <a:fld id="{D5A4A615-3678-4819-B7A7-CEE53D4925A7}" type="datetimeFigureOut">
               <a:rPr lang="en-US" smtClean="0"/>
-              <a:t>11/8/2021</a:t>
+              <a:t>11/9/2021</a:t>
             </a:fld>
             <a:endParaRPr lang="en-US"/>
           </a:p>
@@ -23246,7 +23278,7 @@
           <a:p>
             <a:fld id="{D5A4A615-3678-4819-B7A7-CEE53D4925A7}" type="datetimeFigureOut">
               <a:rPr lang="en-US" smtClean="0"/>
-              <a:t>11/8/2021</a:t>
+              <a:t>11/9/2021</a:t>
             </a:fld>
             <a:endParaRPr lang="en-US"/>
           </a:p>
@@ -26601,36 +26633,6 @@
           </a:p>
         </p:txBody>
       </p:sp>
-      <p:pic>
-        <p:nvPicPr>
-          <p:cNvPr id="4" name="Picture 3">
-            <a:extLst>
-              <a:ext uri="{FF2B5EF4-FFF2-40B4-BE49-F238E27FC236}">
-                <a16:creationId xmlns:a16="http://schemas.microsoft.com/office/drawing/2014/main" id="{66A93FBA-AFE1-499C-B265-7D52B052E6E5}"/>
-              </a:ext>
-            </a:extLst>
-          </p:cNvPr>
-          <p:cNvPicPr>
-            <a:picLocks noChangeAspect="1"/>
-          </p:cNvPicPr>
-          <p:nvPr/>
-        </p:nvPicPr>
-        <p:blipFill>
-          <a:blip r:embed="rId2"/>
-          <a:stretch>
-            <a:fillRect/>
-          </a:stretch>
-        </p:blipFill>
-        <p:spPr>
-          <a:xfrm>
-            <a:off x="4970356" y="1075368"/>
-            <a:ext cx="6780700" cy="5085525"/>
-          </a:xfrm>
-          <a:prstGeom prst="rect">
-            <a:avLst/>
-          </a:prstGeom>
-        </p:spPr>
-      </p:pic>
       <p:sp>
         <p:nvSpPr>
           <p:cNvPr id="5" name="TextBox 4">
@@ -26666,6 +26668,41 @@
           </a:p>
         </p:txBody>
       </p:sp>
+      <p:pic>
+        <p:nvPicPr>
+          <p:cNvPr id="6" name="Picture 5">
+            <a:extLst>
+              <a:ext uri="{FF2B5EF4-FFF2-40B4-BE49-F238E27FC236}">
+                <a16:creationId xmlns:a16="http://schemas.microsoft.com/office/drawing/2014/main" id="{970622E6-6E34-4AAB-966F-C1EFE8EDB7A8}"/>
+              </a:ext>
+            </a:extLst>
+          </p:cNvPr>
+          <p:cNvPicPr>
+            <a:picLocks noChangeAspect="1"/>
+          </p:cNvPicPr>
+          <p:nvPr/>
+        </p:nvPicPr>
+        <p:blipFill>
+          <a:blip r:embed="rId2"/>
+          <a:stretch>
+            <a:fillRect/>
+          </a:stretch>
+        </p:blipFill>
+        <p:spPr>
+          <a:xfrm>
+            <a:off x="4917063" y="1243012"/>
+            <a:ext cx="6122411" cy="4568752"/>
+          </a:xfrm>
+          <a:prstGeom prst="rect">
+            <a:avLst/>
+          </a:prstGeom>
+          <a:ln>
+            <a:solidFill>
+              <a:schemeClr val="tx1"/>
+            </a:solidFill>
+          </a:ln>
+        </p:spPr>
+      </p:pic>
     </p:spTree>
     <p:extLst>
       <p:ext uri="{BB962C8B-B14F-4D97-AF65-F5344CB8AC3E}">
